--- a/docs/apresentacao2.pptx
+++ b/docs/apresentacao2.pptx
@@ -11,8 +11,16 @@
     <p:sldId id="259" r:id="rId5"/>
     <p:sldId id="260" r:id="rId6"/>
     <p:sldId id="261" r:id="rId7"/>
-    <p:sldId id="262" r:id="rId8"/>
-    <p:sldId id="263" r:id="rId9"/>
+    <p:sldId id="266" r:id="rId8"/>
+    <p:sldId id="265" r:id="rId9"/>
+    <p:sldId id="268" r:id="rId10"/>
+    <p:sldId id="262" r:id="rId11"/>
+    <p:sldId id="269" r:id="rId12"/>
+    <p:sldId id="267" r:id="rId13"/>
+    <p:sldId id="270" r:id="rId14"/>
+    <p:sldId id="271" r:id="rId15"/>
+    <p:sldId id="272" r:id="rId16"/>
+    <p:sldId id="263" r:id="rId17"/>
   </p:sldIdLst>
   <p:sldSz cx="12192000" cy="6858000"/>
   <p:notesSz cx="6858000" cy="9144000"/>
@@ -3828,6 +3836,1590 @@
 </p:sld>
 </file>
 
+<file path=ppt/slides/slide10.xml><?xml version="1.0" encoding="utf-8"?>
+<p:sld xmlns:a="http://schemas.openxmlformats.org/drawingml/2006/main" xmlns:r="http://schemas.openxmlformats.org/officeDocument/2006/relationships" xmlns:p="http://schemas.openxmlformats.org/presentationml/2006/main">
+  <p:cSld>
+    <p:spTree>
+      <p:nvGrpSpPr>
+        <p:cNvPr id="1" name=""/>
+        <p:cNvGrpSpPr/>
+        <p:nvPr/>
+      </p:nvGrpSpPr>
+      <p:grpSpPr>
+        <a:xfrm>
+          <a:off x="0" y="0"/>
+          <a:ext cx="0" cy="0"/>
+          <a:chOff x="0" y="0"/>
+          <a:chExt cx="0" cy="0"/>
+        </a:xfrm>
+      </p:grpSpPr>
+      <p:sp>
+        <p:nvSpPr>
+          <p:cNvPr id="2" name="Título 1">
+            <a:extLst>
+              <a:ext uri="{FF2B5EF4-FFF2-40B4-BE49-F238E27FC236}">
+                <a16:creationId xmlns:a16="http://schemas.microsoft.com/office/drawing/2014/main" id="{4ACAF220-7883-4D27-ADDD-C61BD78C5EAB}"/>
+              </a:ext>
+            </a:extLst>
+          </p:cNvPr>
+          <p:cNvSpPr>
+            <a:spLocks noGrp="1"/>
+          </p:cNvSpPr>
+          <p:nvPr>
+            <p:ph type="title"/>
+          </p:nvPr>
+        </p:nvSpPr>
+        <p:spPr/>
+        <p:txBody>
+          <a:bodyPr/>
+          <a:lstStyle/>
+          <a:p>
+            <a:r>
+              <a:rPr lang="pt-PT" dirty="0" err="1">
+                <a:latin typeface="Euphemia" panose="020B0503040102020104" pitchFamily="34" charset="0"/>
+              </a:rPr>
+              <a:t>Evaluation</a:t>
+            </a:r>
+            <a:endParaRPr lang="pt-PT" dirty="0"/>
+          </a:p>
+        </p:txBody>
+      </p:sp>
+      <p:sp>
+        <p:nvSpPr>
+          <p:cNvPr id="4" name="Marcador de Posição de Conteúdo 3">
+            <a:extLst>
+              <a:ext uri="{FF2B5EF4-FFF2-40B4-BE49-F238E27FC236}">
+                <a16:creationId xmlns:a16="http://schemas.microsoft.com/office/drawing/2014/main" id="{6CBE794A-A954-47D3-BD1A-A0E5786AAADE}"/>
+              </a:ext>
+            </a:extLst>
+          </p:cNvPr>
+          <p:cNvSpPr>
+            <a:spLocks noGrp="1"/>
+          </p:cNvSpPr>
+          <p:nvPr>
+            <p:ph idx="1"/>
+          </p:nvPr>
+        </p:nvSpPr>
+        <p:spPr/>
+        <p:txBody>
+          <a:bodyPr/>
+          <a:lstStyle/>
+          <a:p>
+            <a:endParaRPr lang="pt-PT" dirty="0"/>
+          </a:p>
+        </p:txBody>
+      </p:sp>
+      <p:pic>
+        <p:nvPicPr>
+          <p:cNvPr id="3" name="Imagem 2">
+            <a:extLst>
+              <a:ext uri="{FF2B5EF4-FFF2-40B4-BE49-F238E27FC236}">
+                <a16:creationId xmlns:a16="http://schemas.microsoft.com/office/drawing/2014/main" id="{011B4F52-9AE5-451F-A046-FA355153AA5B}"/>
+              </a:ext>
+            </a:extLst>
+          </p:cNvPr>
+          <p:cNvPicPr>
+            <a:picLocks noChangeAspect="1"/>
+          </p:cNvPicPr>
+          <p:nvPr/>
+        </p:nvPicPr>
+        <p:blipFill>
+          <a:blip r:embed="rId2"/>
+          <a:stretch>
+            <a:fillRect/>
+          </a:stretch>
+        </p:blipFill>
+        <p:spPr>
+          <a:xfrm>
+            <a:off x="740463" y="2002559"/>
+            <a:ext cx="3715268" cy="3219899"/>
+          </a:xfrm>
+          <a:prstGeom prst="rect">
+            <a:avLst/>
+          </a:prstGeom>
+        </p:spPr>
+      </p:pic>
+      <p:pic>
+        <p:nvPicPr>
+          <p:cNvPr id="5" name="Imagem 4">
+            <a:extLst>
+              <a:ext uri="{FF2B5EF4-FFF2-40B4-BE49-F238E27FC236}">
+                <a16:creationId xmlns:a16="http://schemas.microsoft.com/office/drawing/2014/main" id="{687CE18A-0AD8-4B5E-805D-01FA0AC8A567}"/>
+              </a:ext>
+            </a:extLst>
+          </p:cNvPr>
+          <p:cNvPicPr>
+            <a:picLocks noChangeAspect="1"/>
+          </p:cNvPicPr>
+          <p:nvPr/>
+        </p:nvPicPr>
+        <p:blipFill>
+          <a:blip r:embed="rId3"/>
+          <a:stretch>
+            <a:fillRect/>
+          </a:stretch>
+        </p:blipFill>
+        <p:spPr>
+          <a:xfrm>
+            <a:off x="6830352" y="2088295"/>
+            <a:ext cx="3639058" cy="3048425"/>
+          </a:xfrm>
+          <a:prstGeom prst="rect">
+            <a:avLst/>
+          </a:prstGeom>
+        </p:spPr>
+      </p:pic>
+      <p:sp>
+        <p:nvSpPr>
+          <p:cNvPr id="6" name="CaixaDeTexto 5">
+            <a:extLst>
+              <a:ext uri="{FF2B5EF4-FFF2-40B4-BE49-F238E27FC236}">
+                <a16:creationId xmlns:a16="http://schemas.microsoft.com/office/drawing/2014/main" id="{07A11E7F-C325-4083-8A07-970930FE3489}"/>
+              </a:ext>
+            </a:extLst>
+          </p:cNvPr>
+          <p:cNvSpPr txBox="1"/>
+          <p:nvPr/>
+        </p:nvSpPr>
+        <p:spPr>
+          <a:xfrm>
+            <a:off x="569844" y="5549819"/>
+            <a:ext cx="5526156" cy="646331"/>
+          </a:xfrm>
+          <a:prstGeom prst="rect">
+            <a:avLst/>
+          </a:prstGeom>
+          <a:noFill/>
+        </p:spPr>
+        <p:txBody>
+          <a:bodyPr wrap="square" rtlCol="0">
+            <a:spAutoFit/>
+          </a:bodyPr>
+          <a:lstStyle/>
+          <a:p>
+            <a:r>
+              <a:rPr lang="pt-PT" dirty="0"/>
+              <a:t>(</a:t>
+            </a:r>
+            <a:r>
+              <a:rPr lang="pt-PT" dirty="0" err="1"/>
+              <a:t>Fighter</a:t>
+            </a:r>
+            <a:r>
+              <a:rPr lang="pt-PT" dirty="0"/>
+              <a:t> &amp;&amp; </a:t>
+            </a:r>
+            <a:r>
+              <a:rPr lang="pt-PT" dirty="0" err="1"/>
+              <a:t>lore</a:t>
+            </a:r>
+            <a:r>
+              <a:rPr lang="pt-PT" dirty="0"/>
+              <a:t>:(</a:t>
+            </a:r>
+            <a:r>
+              <a:rPr lang="pt-PT" dirty="0" err="1"/>
+              <a:t>Demacia</a:t>
+            </a:r>
+            <a:r>
+              <a:rPr lang="pt-PT" dirty="0"/>
+              <a:t> || </a:t>
+            </a:r>
+            <a:r>
+              <a:rPr lang="pt-PT" dirty="0" err="1"/>
+              <a:t>Ionia</a:t>
+            </a:r>
+            <a:r>
+              <a:rPr lang="pt-PT" dirty="0"/>
+              <a:t>))</a:t>
+            </a:r>
+          </a:p>
+          <a:p>
+            <a:endParaRPr lang="pt-PT" dirty="0"/>
+          </a:p>
+        </p:txBody>
+      </p:sp>
+      <p:sp>
+        <p:nvSpPr>
+          <p:cNvPr id="7" name="CaixaDeTexto 6">
+            <a:extLst>
+              <a:ext uri="{FF2B5EF4-FFF2-40B4-BE49-F238E27FC236}">
+                <a16:creationId xmlns:a16="http://schemas.microsoft.com/office/drawing/2014/main" id="{E26B1B24-E23F-46FA-97C6-3F7D3261E542}"/>
+              </a:ext>
+            </a:extLst>
+          </p:cNvPr>
+          <p:cNvSpPr txBox="1"/>
+          <p:nvPr/>
+        </p:nvSpPr>
+        <p:spPr>
+          <a:xfrm>
+            <a:off x="6480314" y="5556268"/>
+            <a:ext cx="5022573" cy="646331"/>
+          </a:xfrm>
+          <a:prstGeom prst="rect">
+            <a:avLst/>
+          </a:prstGeom>
+          <a:noFill/>
+        </p:spPr>
+        <p:txBody>
+          <a:bodyPr wrap="square" rtlCol="0">
+            <a:spAutoFit/>
+          </a:bodyPr>
+          <a:lstStyle/>
+          <a:p>
+            <a:r>
+              <a:rPr lang="pt-PT" dirty="0" err="1"/>
+              <a:t>Fighter</a:t>
+            </a:r>
+            <a:r>
+              <a:rPr lang="pt-PT" dirty="0"/>
+              <a:t> &amp;&amp; </a:t>
+            </a:r>
+            <a:r>
+              <a:rPr lang="pt-PT" dirty="0" err="1"/>
+              <a:t>lore</a:t>
+            </a:r>
+            <a:r>
+              <a:rPr lang="pt-PT" dirty="0"/>
+              <a:t>:(Demacia^3 || Ionia^6)</a:t>
+            </a:r>
+          </a:p>
+          <a:p>
+            <a:endParaRPr lang="pt-PT" dirty="0"/>
+          </a:p>
+        </p:txBody>
+      </p:sp>
+    </p:spTree>
+    <p:extLst>
+      <p:ext uri="{BB962C8B-B14F-4D97-AF65-F5344CB8AC3E}">
+        <p14:creationId xmlns:p14="http://schemas.microsoft.com/office/powerpoint/2010/main" val="1847632989"/>
+      </p:ext>
+    </p:extLst>
+  </p:cSld>
+  <p:clrMapOvr>
+    <a:masterClrMapping/>
+  </p:clrMapOvr>
+</p:sld>
+</file>
+
+<file path=ppt/slides/slide11.xml><?xml version="1.0" encoding="utf-8"?>
+<p:sld xmlns:a="http://schemas.openxmlformats.org/drawingml/2006/main" xmlns:r="http://schemas.openxmlformats.org/officeDocument/2006/relationships" xmlns:p="http://schemas.openxmlformats.org/presentationml/2006/main">
+  <p:cSld>
+    <p:spTree>
+      <p:nvGrpSpPr>
+        <p:cNvPr id="1" name=""/>
+        <p:cNvGrpSpPr/>
+        <p:nvPr/>
+      </p:nvGrpSpPr>
+      <p:grpSpPr>
+        <a:xfrm>
+          <a:off x="0" y="0"/>
+          <a:ext cx="0" cy="0"/>
+          <a:chOff x="0" y="0"/>
+          <a:chExt cx="0" cy="0"/>
+        </a:xfrm>
+      </p:grpSpPr>
+      <p:sp>
+        <p:nvSpPr>
+          <p:cNvPr id="2" name="Título 1">
+            <a:extLst>
+              <a:ext uri="{FF2B5EF4-FFF2-40B4-BE49-F238E27FC236}">
+                <a16:creationId xmlns:a16="http://schemas.microsoft.com/office/drawing/2014/main" id="{8E072988-9771-475A-9A21-F65F6F258954}"/>
+              </a:ext>
+            </a:extLst>
+          </p:cNvPr>
+          <p:cNvSpPr>
+            <a:spLocks noGrp="1"/>
+          </p:cNvSpPr>
+          <p:nvPr>
+            <p:ph type="title"/>
+          </p:nvPr>
+        </p:nvSpPr>
+        <p:spPr/>
+        <p:txBody>
+          <a:bodyPr/>
+          <a:lstStyle/>
+          <a:p>
+            <a:r>
+              <a:rPr lang="pt-PT" dirty="0" err="1"/>
+              <a:t>Evaluation</a:t>
+            </a:r>
+            <a:endParaRPr lang="pt-PT" dirty="0"/>
+          </a:p>
+        </p:txBody>
+      </p:sp>
+      <p:pic>
+        <p:nvPicPr>
+          <p:cNvPr id="4" name="Imagem 3">
+            <a:extLst>
+              <a:ext uri="{FF2B5EF4-FFF2-40B4-BE49-F238E27FC236}">
+                <a16:creationId xmlns:a16="http://schemas.microsoft.com/office/drawing/2014/main" id="{5CC6B156-D023-488B-87C1-83C89CFC1741}"/>
+              </a:ext>
+            </a:extLst>
+          </p:cNvPr>
+          <p:cNvPicPr>
+            <a:picLocks noChangeAspect="1"/>
+          </p:cNvPicPr>
+          <p:nvPr/>
+        </p:nvPicPr>
+        <p:blipFill>
+          <a:blip r:embed="rId2"/>
+          <a:stretch>
+            <a:fillRect/>
+          </a:stretch>
+        </p:blipFill>
+        <p:spPr>
+          <a:xfrm>
+            <a:off x="1130270" y="2941787"/>
+            <a:ext cx="3864513" cy="1411272"/>
+          </a:xfrm>
+          <a:prstGeom prst="rect">
+            <a:avLst/>
+          </a:prstGeom>
+        </p:spPr>
+      </p:pic>
+      <p:pic>
+        <p:nvPicPr>
+          <p:cNvPr id="5" name="Imagem 4">
+            <a:extLst>
+              <a:ext uri="{FF2B5EF4-FFF2-40B4-BE49-F238E27FC236}">
+                <a16:creationId xmlns:a16="http://schemas.microsoft.com/office/drawing/2014/main" id="{29FE2359-068F-48F0-A1CA-34C08E23B3A3}"/>
+              </a:ext>
+            </a:extLst>
+          </p:cNvPr>
+          <p:cNvPicPr>
+            <a:picLocks noChangeAspect="1"/>
+          </p:cNvPicPr>
+          <p:nvPr/>
+        </p:nvPicPr>
+        <p:blipFill>
+          <a:blip r:embed="rId3"/>
+          <a:stretch>
+            <a:fillRect/>
+          </a:stretch>
+        </p:blipFill>
+        <p:spPr>
+          <a:xfrm>
+            <a:off x="6515782" y="2965431"/>
+            <a:ext cx="3954741" cy="1387628"/>
+          </a:xfrm>
+          <a:prstGeom prst="rect">
+            <a:avLst/>
+          </a:prstGeom>
+        </p:spPr>
+      </p:pic>
+      <p:sp>
+        <p:nvSpPr>
+          <p:cNvPr id="6" name="CaixaDeTexto 5">
+            <a:extLst>
+              <a:ext uri="{FF2B5EF4-FFF2-40B4-BE49-F238E27FC236}">
+                <a16:creationId xmlns:a16="http://schemas.microsoft.com/office/drawing/2014/main" id="{853DE5BA-2D1F-443E-BC91-E569C8365390}"/>
+              </a:ext>
+            </a:extLst>
+          </p:cNvPr>
+          <p:cNvSpPr txBox="1"/>
+          <p:nvPr/>
+        </p:nvSpPr>
+        <p:spPr>
+          <a:xfrm>
+            <a:off x="1609859" y="4919730"/>
+            <a:ext cx="2331075" cy="369332"/>
+          </a:xfrm>
+          <a:prstGeom prst="rect">
+            <a:avLst/>
+          </a:prstGeom>
+          <a:noFill/>
+        </p:spPr>
+        <p:txBody>
+          <a:bodyPr wrap="square" rtlCol="0">
+            <a:spAutoFit/>
+          </a:bodyPr>
+          <a:lstStyle/>
+          <a:p>
+            <a:r>
+              <a:rPr lang="pt-PT" dirty="0" err="1"/>
+              <a:t>Without</a:t>
+            </a:r>
+            <a:r>
+              <a:rPr lang="pt-PT" dirty="0"/>
+              <a:t> </a:t>
+            </a:r>
+            <a:r>
+              <a:rPr lang="pt-PT" dirty="0" err="1"/>
+              <a:t>weights</a:t>
+            </a:r>
+            <a:r>
+              <a:rPr lang="pt-PT" dirty="0"/>
+              <a:t> </a:t>
+            </a:r>
+          </a:p>
+        </p:txBody>
+      </p:sp>
+      <p:sp>
+        <p:nvSpPr>
+          <p:cNvPr id="10" name="CaixaDeTexto 9">
+            <a:extLst>
+              <a:ext uri="{FF2B5EF4-FFF2-40B4-BE49-F238E27FC236}">
+                <a16:creationId xmlns:a16="http://schemas.microsoft.com/office/drawing/2014/main" id="{74B3D8A4-0A6F-48FD-96A1-B61BD6CDA672}"/>
+              </a:ext>
+            </a:extLst>
+          </p:cNvPr>
+          <p:cNvSpPr txBox="1"/>
+          <p:nvPr/>
+        </p:nvSpPr>
+        <p:spPr>
+          <a:xfrm>
+            <a:off x="7565342" y="4924092"/>
+            <a:ext cx="3168203" cy="369332"/>
+          </a:xfrm>
+          <a:prstGeom prst="rect">
+            <a:avLst/>
+          </a:prstGeom>
+          <a:noFill/>
+        </p:spPr>
+        <p:txBody>
+          <a:bodyPr wrap="square" rtlCol="0">
+            <a:spAutoFit/>
+          </a:bodyPr>
+          <a:lstStyle/>
+          <a:p>
+            <a:r>
+              <a:rPr lang="pt-PT" dirty="0" err="1"/>
+              <a:t>With</a:t>
+            </a:r>
+            <a:r>
+              <a:rPr lang="pt-PT" dirty="0"/>
+              <a:t> </a:t>
+            </a:r>
+            <a:r>
+              <a:rPr lang="pt-PT" dirty="0" err="1"/>
+              <a:t>weights</a:t>
+            </a:r>
+            <a:endParaRPr lang="pt-PT" dirty="0"/>
+          </a:p>
+        </p:txBody>
+      </p:sp>
+    </p:spTree>
+    <p:extLst>
+      <p:ext uri="{BB962C8B-B14F-4D97-AF65-F5344CB8AC3E}">
+        <p14:creationId xmlns:p14="http://schemas.microsoft.com/office/powerpoint/2010/main" val="1601146836"/>
+      </p:ext>
+    </p:extLst>
+  </p:cSld>
+  <p:clrMapOvr>
+    <a:masterClrMapping/>
+  </p:clrMapOvr>
+</p:sld>
+</file>
+
+<file path=ppt/slides/slide12.xml><?xml version="1.0" encoding="utf-8"?>
+<p:sld xmlns:a="http://schemas.openxmlformats.org/drawingml/2006/main" xmlns:r="http://schemas.openxmlformats.org/officeDocument/2006/relationships" xmlns:p="http://schemas.openxmlformats.org/presentationml/2006/main">
+  <p:cSld>
+    <p:spTree>
+      <p:nvGrpSpPr>
+        <p:cNvPr id="1" name=""/>
+        <p:cNvGrpSpPr/>
+        <p:nvPr/>
+      </p:nvGrpSpPr>
+      <p:grpSpPr>
+        <a:xfrm>
+          <a:off x="0" y="0"/>
+          <a:ext cx="0" cy="0"/>
+          <a:chOff x="0" y="0"/>
+          <a:chExt cx="0" cy="0"/>
+        </a:xfrm>
+      </p:grpSpPr>
+      <p:sp>
+        <p:nvSpPr>
+          <p:cNvPr id="2" name="Título 1">
+            <a:extLst>
+              <a:ext uri="{FF2B5EF4-FFF2-40B4-BE49-F238E27FC236}">
+                <a16:creationId xmlns:a16="http://schemas.microsoft.com/office/drawing/2014/main" id="{4ACAF220-7883-4D27-ADDD-C61BD78C5EAB}"/>
+              </a:ext>
+            </a:extLst>
+          </p:cNvPr>
+          <p:cNvSpPr>
+            <a:spLocks noGrp="1"/>
+          </p:cNvSpPr>
+          <p:nvPr>
+            <p:ph type="title"/>
+          </p:nvPr>
+        </p:nvSpPr>
+        <p:spPr/>
+        <p:txBody>
+          <a:bodyPr/>
+          <a:lstStyle/>
+          <a:p>
+            <a:r>
+              <a:rPr lang="pt-PT" dirty="0" err="1">
+                <a:latin typeface="Euphemia" panose="020B0503040102020104" pitchFamily="34" charset="0"/>
+              </a:rPr>
+              <a:t>Evaluation</a:t>
+            </a:r>
+            <a:endParaRPr lang="pt-PT" dirty="0"/>
+          </a:p>
+        </p:txBody>
+      </p:sp>
+      <p:sp>
+        <p:nvSpPr>
+          <p:cNvPr id="4" name="Marcador de Posição de Conteúdo 3">
+            <a:extLst>
+              <a:ext uri="{FF2B5EF4-FFF2-40B4-BE49-F238E27FC236}">
+                <a16:creationId xmlns:a16="http://schemas.microsoft.com/office/drawing/2014/main" id="{6CBE794A-A954-47D3-BD1A-A0E5786AAADE}"/>
+              </a:ext>
+            </a:extLst>
+          </p:cNvPr>
+          <p:cNvSpPr>
+            <a:spLocks noGrp="1"/>
+          </p:cNvSpPr>
+          <p:nvPr>
+            <p:ph idx="1"/>
+          </p:nvPr>
+        </p:nvSpPr>
+        <p:spPr/>
+        <p:txBody>
+          <a:bodyPr/>
+          <a:lstStyle/>
+          <a:p>
+            <a:endParaRPr lang="pt-PT" dirty="0"/>
+          </a:p>
+        </p:txBody>
+      </p:sp>
+      <p:sp>
+        <p:nvSpPr>
+          <p:cNvPr id="6" name="CaixaDeTexto 5">
+            <a:extLst>
+              <a:ext uri="{FF2B5EF4-FFF2-40B4-BE49-F238E27FC236}">
+                <a16:creationId xmlns:a16="http://schemas.microsoft.com/office/drawing/2014/main" id="{07A11E7F-C325-4083-8A07-970930FE3489}"/>
+              </a:ext>
+            </a:extLst>
+          </p:cNvPr>
+          <p:cNvSpPr txBox="1"/>
+          <p:nvPr/>
+        </p:nvSpPr>
+        <p:spPr>
+          <a:xfrm>
+            <a:off x="1432729" y="5549819"/>
+            <a:ext cx="3937762" cy="369332"/>
+          </a:xfrm>
+          <a:prstGeom prst="rect">
+            <a:avLst/>
+          </a:prstGeom>
+          <a:noFill/>
+        </p:spPr>
+        <p:txBody>
+          <a:bodyPr wrap="square" rtlCol="0">
+            <a:spAutoFit/>
+          </a:bodyPr>
+          <a:lstStyle/>
+          <a:p>
+            <a:r>
+              <a:rPr lang="pt-PT" dirty="0"/>
+              <a:t>(</a:t>
+            </a:r>
+            <a:r>
+              <a:rPr lang="pt-PT" dirty="0" err="1"/>
+              <a:t>lore</a:t>
+            </a:r>
+            <a:r>
+              <a:rPr lang="pt-PT" dirty="0"/>
+              <a:t>: “</a:t>
+            </a:r>
+            <a:r>
+              <a:rPr lang="pt-PT" dirty="0" err="1"/>
+              <a:t>City</a:t>
+            </a:r>
+            <a:r>
+              <a:rPr lang="pt-PT" dirty="0"/>
+              <a:t> </a:t>
+            </a:r>
+            <a:r>
+              <a:rPr lang="pt-PT" dirty="0" err="1"/>
+              <a:t>of</a:t>
+            </a:r>
+            <a:r>
+              <a:rPr lang="pt-PT" dirty="0"/>
+              <a:t> </a:t>
+            </a:r>
+            <a:r>
+              <a:rPr lang="pt-PT" dirty="0" err="1"/>
+              <a:t>Progress</a:t>
+            </a:r>
+            <a:r>
+              <a:rPr lang="pt-PT" dirty="0"/>
+              <a:t>")</a:t>
+            </a:r>
+          </a:p>
+        </p:txBody>
+      </p:sp>
+      <p:sp>
+        <p:nvSpPr>
+          <p:cNvPr id="7" name="CaixaDeTexto 6">
+            <a:extLst>
+              <a:ext uri="{FF2B5EF4-FFF2-40B4-BE49-F238E27FC236}">
+                <a16:creationId xmlns:a16="http://schemas.microsoft.com/office/drawing/2014/main" id="{E26B1B24-E23F-46FA-97C6-3F7D3261E542}"/>
+              </a:ext>
+            </a:extLst>
+          </p:cNvPr>
+          <p:cNvSpPr txBox="1"/>
+          <p:nvPr/>
+        </p:nvSpPr>
+        <p:spPr>
+          <a:xfrm>
+            <a:off x="6480314" y="5556268"/>
+            <a:ext cx="5022573" cy="369332"/>
+          </a:xfrm>
+          <a:prstGeom prst="rect">
+            <a:avLst/>
+          </a:prstGeom>
+          <a:noFill/>
+        </p:spPr>
+        <p:txBody>
+          <a:bodyPr wrap="square" rtlCol="0">
+            <a:spAutoFit/>
+          </a:bodyPr>
+          <a:lstStyle/>
+          <a:p>
+            <a:r>
+              <a:rPr lang="pt-PT" dirty="0"/>
+              <a:t>           (</a:t>
+            </a:r>
+            <a:r>
+              <a:rPr lang="pt-PT" dirty="0" err="1"/>
+              <a:t>lore</a:t>
+            </a:r>
+            <a:r>
+              <a:rPr lang="pt-PT" dirty="0"/>
+              <a:t>: </a:t>
+            </a:r>
+            <a:r>
+              <a:rPr lang="pt-PT" u="sng" dirty="0"/>
+              <a:t>City</a:t>
+            </a:r>
+            <a:r>
+              <a:rPr lang="pt-PT" dirty="0"/>
+              <a:t>^2 </a:t>
+            </a:r>
+            <a:r>
+              <a:rPr lang="pt-PT" dirty="0" err="1"/>
+              <a:t>of</a:t>
+            </a:r>
+            <a:r>
+              <a:rPr lang="pt-PT" dirty="0"/>
+              <a:t> </a:t>
+            </a:r>
+            <a:r>
+              <a:rPr lang="pt-PT" dirty="0" err="1"/>
+              <a:t>Progress</a:t>
+            </a:r>
+            <a:r>
+              <a:rPr lang="pt-PT" dirty="0"/>
+              <a:t>)</a:t>
+            </a:r>
+          </a:p>
+        </p:txBody>
+      </p:sp>
+      <p:pic>
+        <p:nvPicPr>
+          <p:cNvPr id="8" name="Imagem 7">
+            <a:extLst>
+              <a:ext uri="{FF2B5EF4-FFF2-40B4-BE49-F238E27FC236}">
+                <a16:creationId xmlns:a16="http://schemas.microsoft.com/office/drawing/2014/main" id="{F7E4062E-EFD7-424A-8D25-5C40DE451B4A}"/>
+              </a:ext>
+            </a:extLst>
+          </p:cNvPr>
+          <p:cNvPicPr>
+            <a:picLocks noChangeAspect="1"/>
+          </p:cNvPicPr>
+          <p:nvPr/>
+        </p:nvPicPr>
+        <p:blipFill>
+          <a:blip r:embed="rId2"/>
+          <a:stretch>
+            <a:fillRect/>
+          </a:stretch>
+        </p:blipFill>
+        <p:spPr>
+          <a:xfrm>
+            <a:off x="1130270" y="2088295"/>
+            <a:ext cx="3639058" cy="3010320"/>
+          </a:xfrm>
+          <a:prstGeom prst="rect">
+            <a:avLst/>
+          </a:prstGeom>
+        </p:spPr>
+      </p:pic>
+      <p:pic>
+        <p:nvPicPr>
+          <p:cNvPr id="9" name="Imagem 8">
+            <a:extLst>
+              <a:ext uri="{FF2B5EF4-FFF2-40B4-BE49-F238E27FC236}">
+                <a16:creationId xmlns:a16="http://schemas.microsoft.com/office/drawing/2014/main" id="{5FBF5134-A688-452D-BC18-EAAB1575B5BC}"/>
+              </a:ext>
+            </a:extLst>
+          </p:cNvPr>
+          <p:cNvPicPr>
+            <a:picLocks noChangeAspect="1"/>
+          </p:cNvPicPr>
+          <p:nvPr/>
+        </p:nvPicPr>
+        <p:blipFill>
+          <a:blip r:embed="rId3"/>
+          <a:stretch>
+            <a:fillRect/>
+          </a:stretch>
+        </p:blipFill>
+        <p:spPr>
+          <a:xfrm>
+            <a:off x="6720636" y="2197847"/>
+            <a:ext cx="3696216" cy="2791215"/>
+          </a:xfrm>
+          <a:prstGeom prst="rect">
+            <a:avLst/>
+          </a:prstGeom>
+        </p:spPr>
+      </p:pic>
+    </p:spTree>
+    <p:extLst>
+      <p:ext uri="{BB962C8B-B14F-4D97-AF65-F5344CB8AC3E}">
+        <p14:creationId xmlns:p14="http://schemas.microsoft.com/office/powerpoint/2010/main" val="2654257650"/>
+      </p:ext>
+    </p:extLst>
+  </p:cSld>
+  <p:clrMapOvr>
+    <a:masterClrMapping/>
+  </p:clrMapOvr>
+</p:sld>
+</file>
+
+<file path=ppt/slides/slide13.xml><?xml version="1.0" encoding="utf-8"?>
+<p:sld xmlns:a="http://schemas.openxmlformats.org/drawingml/2006/main" xmlns:r="http://schemas.openxmlformats.org/officeDocument/2006/relationships" xmlns:p="http://schemas.openxmlformats.org/presentationml/2006/main">
+  <p:cSld>
+    <p:spTree>
+      <p:nvGrpSpPr>
+        <p:cNvPr id="1" name=""/>
+        <p:cNvGrpSpPr/>
+        <p:nvPr/>
+      </p:nvGrpSpPr>
+      <p:grpSpPr>
+        <a:xfrm>
+          <a:off x="0" y="0"/>
+          <a:ext cx="0" cy="0"/>
+          <a:chOff x="0" y="0"/>
+          <a:chExt cx="0" cy="0"/>
+        </a:xfrm>
+      </p:grpSpPr>
+      <p:sp>
+        <p:nvSpPr>
+          <p:cNvPr id="2" name="Título 1">
+            <a:extLst>
+              <a:ext uri="{FF2B5EF4-FFF2-40B4-BE49-F238E27FC236}">
+                <a16:creationId xmlns:a16="http://schemas.microsoft.com/office/drawing/2014/main" id="{8E072988-9771-475A-9A21-F65F6F258954}"/>
+              </a:ext>
+            </a:extLst>
+          </p:cNvPr>
+          <p:cNvSpPr>
+            <a:spLocks noGrp="1"/>
+          </p:cNvSpPr>
+          <p:nvPr>
+            <p:ph type="title"/>
+          </p:nvPr>
+        </p:nvSpPr>
+        <p:spPr/>
+        <p:txBody>
+          <a:bodyPr/>
+          <a:lstStyle/>
+          <a:p>
+            <a:r>
+              <a:rPr lang="pt-PT" dirty="0" err="1"/>
+              <a:t>Evaluation</a:t>
+            </a:r>
+            <a:endParaRPr lang="pt-PT" dirty="0"/>
+          </a:p>
+        </p:txBody>
+      </p:sp>
+      <p:sp>
+        <p:nvSpPr>
+          <p:cNvPr id="6" name="CaixaDeTexto 5">
+            <a:extLst>
+              <a:ext uri="{FF2B5EF4-FFF2-40B4-BE49-F238E27FC236}">
+                <a16:creationId xmlns:a16="http://schemas.microsoft.com/office/drawing/2014/main" id="{853DE5BA-2D1F-443E-BC91-E569C8365390}"/>
+              </a:ext>
+            </a:extLst>
+          </p:cNvPr>
+          <p:cNvSpPr txBox="1"/>
+          <p:nvPr/>
+        </p:nvSpPr>
+        <p:spPr>
+          <a:xfrm>
+            <a:off x="1609859" y="4919730"/>
+            <a:ext cx="2331075" cy="369332"/>
+          </a:xfrm>
+          <a:prstGeom prst="rect">
+            <a:avLst/>
+          </a:prstGeom>
+          <a:noFill/>
+        </p:spPr>
+        <p:txBody>
+          <a:bodyPr wrap="square" rtlCol="0">
+            <a:spAutoFit/>
+          </a:bodyPr>
+          <a:lstStyle/>
+          <a:p>
+            <a:r>
+              <a:rPr lang="pt-PT" dirty="0" err="1"/>
+              <a:t>Without</a:t>
+            </a:r>
+            <a:r>
+              <a:rPr lang="pt-PT" dirty="0"/>
+              <a:t> </a:t>
+            </a:r>
+            <a:r>
+              <a:rPr lang="pt-PT" dirty="0" err="1"/>
+              <a:t>weights</a:t>
+            </a:r>
+            <a:r>
+              <a:rPr lang="pt-PT" dirty="0"/>
+              <a:t> </a:t>
+            </a:r>
+          </a:p>
+        </p:txBody>
+      </p:sp>
+      <p:sp>
+        <p:nvSpPr>
+          <p:cNvPr id="10" name="CaixaDeTexto 9">
+            <a:extLst>
+              <a:ext uri="{FF2B5EF4-FFF2-40B4-BE49-F238E27FC236}">
+                <a16:creationId xmlns:a16="http://schemas.microsoft.com/office/drawing/2014/main" id="{74B3D8A4-0A6F-48FD-96A1-B61BD6CDA672}"/>
+              </a:ext>
+            </a:extLst>
+          </p:cNvPr>
+          <p:cNvSpPr txBox="1"/>
+          <p:nvPr/>
+        </p:nvSpPr>
+        <p:spPr>
+          <a:xfrm>
+            <a:off x="8126357" y="4919730"/>
+            <a:ext cx="3168203" cy="369332"/>
+          </a:xfrm>
+          <a:prstGeom prst="rect">
+            <a:avLst/>
+          </a:prstGeom>
+          <a:noFill/>
+        </p:spPr>
+        <p:txBody>
+          <a:bodyPr wrap="square" rtlCol="0">
+            <a:spAutoFit/>
+          </a:bodyPr>
+          <a:lstStyle/>
+          <a:p>
+            <a:r>
+              <a:rPr lang="pt-PT" dirty="0" err="1"/>
+              <a:t>With</a:t>
+            </a:r>
+            <a:r>
+              <a:rPr lang="pt-PT" dirty="0"/>
+              <a:t> </a:t>
+            </a:r>
+            <a:r>
+              <a:rPr lang="pt-PT" dirty="0" err="1"/>
+              <a:t>weights</a:t>
+            </a:r>
+            <a:endParaRPr lang="pt-PT" dirty="0"/>
+          </a:p>
+        </p:txBody>
+      </p:sp>
+      <p:pic>
+        <p:nvPicPr>
+          <p:cNvPr id="3" name="Imagem 2">
+            <a:extLst>
+              <a:ext uri="{FF2B5EF4-FFF2-40B4-BE49-F238E27FC236}">
+                <a16:creationId xmlns:a16="http://schemas.microsoft.com/office/drawing/2014/main" id="{52CAD49B-540B-46DC-9477-114F6E4224CE}"/>
+              </a:ext>
+            </a:extLst>
+          </p:cNvPr>
+          <p:cNvPicPr>
+            <a:picLocks noChangeAspect="1"/>
+          </p:cNvPicPr>
+          <p:nvPr/>
+        </p:nvPicPr>
+        <p:blipFill>
+          <a:blip r:embed="rId2"/>
+          <a:stretch>
+            <a:fillRect/>
+          </a:stretch>
+        </p:blipFill>
+        <p:spPr>
+          <a:xfrm>
+            <a:off x="698340" y="2683040"/>
+            <a:ext cx="4484883" cy="1688038"/>
+          </a:xfrm>
+          <a:prstGeom prst="rect">
+            <a:avLst/>
+          </a:prstGeom>
+        </p:spPr>
+      </p:pic>
+      <p:pic>
+        <p:nvPicPr>
+          <p:cNvPr id="7" name="Imagem 6">
+            <a:extLst>
+              <a:ext uri="{FF2B5EF4-FFF2-40B4-BE49-F238E27FC236}">
+                <a16:creationId xmlns:a16="http://schemas.microsoft.com/office/drawing/2014/main" id="{326A39FE-A87A-4B12-92AE-C02A6845B972}"/>
+              </a:ext>
+            </a:extLst>
+          </p:cNvPr>
+          <p:cNvPicPr>
+            <a:picLocks noChangeAspect="1"/>
+          </p:cNvPicPr>
+          <p:nvPr/>
+        </p:nvPicPr>
+        <p:blipFill>
+          <a:blip r:embed="rId3"/>
+          <a:stretch>
+            <a:fillRect/>
+          </a:stretch>
+        </p:blipFill>
+        <p:spPr>
+          <a:xfrm>
+            <a:off x="6701741" y="2683039"/>
+            <a:ext cx="4592819" cy="1786097"/>
+          </a:xfrm>
+          <a:prstGeom prst="rect">
+            <a:avLst/>
+          </a:prstGeom>
+        </p:spPr>
+      </p:pic>
+    </p:spTree>
+    <p:extLst>
+      <p:ext uri="{BB962C8B-B14F-4D97-AF65-F5344CB8AC3E}">
+        <p14:creationId xmlns:p14="http://schemas.microsoft.com/office/powerpoint/2010/main" val="3868905539"/>
+      </p:ext>
+    </p:extLst>
+  </p:cSld>
+  <p:clrMapOvr>
+    <a:masterClrMapping/>
+  </p:clrMapOvr>
+</p:sld>
+</file>
+
+<file path=ppt/slides/slide14.xml><?xml version="1.0" encoding="utf-8"?>
+<p:sld xmlns:a="http://schemas.openxmlformats.org/drawingml/2006/main" xmlns:r="http://schemas.openxmlformats.org/officeDocument/2006/relationships" xmlns:p="http://schemas.openxmlformats.org/presentationml/2006/main">
+  <p:cSld>
+    <p:spTree>
+      <p:nvGrpSpPr>
+        <p:cNvPr id="1" name=""/>
+        <p:cNvGrpSpPr/>
+        <p:nvPr/>
+      </p:nvGrpSpPr>
+      <p:grpSpPr>
+        <a:xfrm>
+          <a:off x="0" y="0"/>
+          <a:ext cx="0" cy="0"/>
+          <a:chOff x="0" y="0"/>
+          <a:chExt cx="0" cy="0"/>
+        </a:xfrm>
+      </p:grpSpPr>
+      <p:sp>
+        <p:nvSpPr>
+          <p:cNvPr id="2" name="Título 1">
+            <a:extLst>
+              <a:ext uri="{FF2B5EF4-FFF2-40B4-BE49-F238E27FC236}">
+                <a16:creationId xmlns:a16="http://schemas.microsoft.com/office/drawing/2014/main" id="{4ACAF220-7883-4D27-ADDD-C61BD78C5EAB}"/>
+              </a:ext>
+            </a:extLst>
+          </p:cNvPr>
+          <p:cNvSpPr>
+            <a:spLocks noGrp="1"/>
+          </p:cNvSpPr>
+          <p:nvPr>
+            <p:ph type="title"/>
+          </p:nvPr>
+        </p:nvSpPr>
+        <p:spPr/>
+        <p:txBody>
+          <a:bodyPr/>
+          <a:lstStyle/>
+          <a:p>
+            <a:r>
+              <a:rPr lang="pt-PT" dirty="0" err="1">
+                <a:latin typeface="Euphemia" panose="020B0503040102020104" pitchFamily="34" charset="0"/>
+              </a:rPr>
+              <a:t>Evaluation</a:t>
+            </a:r>
+            <a:endParaRPr lang="pt-PT" dirty="0"/>
+          </a:p>
+        </p:txBody>
+      </p:sp>
+      <p:sp>
+        <p:nvSpPr>
+          <p:cNvPr id="4" name="Marcador de Posição de Conteúdo 3">
+            <a:extLst>
+              <a:ext uri="{FF2B5EF4-FFF2-40B4-BE49-F238E27FC236}">
+                <a16:creationId xmlns:a16="http://schemas.microsoft.com/office/drawing/2014/main" id="{6CBE794A-A954-47D3-BD1A-A0E5786AAADE}"/>
+              </a:ext>
+            </a:extLst>
+          </p:cNvPr>
+          <p:cNvSpPr>
+            <a:spLocks noGrp="1"/>
+          </p:cNvSpPr>
+          <p:nvPr>
+            <p:ph idx="1"/>
+          </p:nvPr>
+        </p:nvSpPr>
+        <p:spPr/>
+        <p:txBody>
+          <a:bodyPr/>
+          <a:lstStyle/>
+          <a:p>
+            <a:endParaRPr lang="pt-PT" dirty="0"/>
+          </a:p>
+        </p:txBody>
+      </p:sp>
+      <p:sp>
+        <p:nvSpPr>
+          <p:cNvPr id="6" name="CaixaDeTexto 5">
+            <a:extLst>
+              <a:ext uri="{FF2B5EF4-FFF2-40B4-BE49-F238E27FC236}">
+                <a16:creationId xmlns:a16="http://schemas.microsoft.com/office/drawing/2014/main" id="{07A11E7F-C325-4083-8A07-970930FE3489}"/>
+              </a:ext>
+            </a:extLst>
+          </p:cNvPr>
+          <p:cNvSpPr txBox="1"/>
+          <p:nvPr/>
+        </p:nvSpPr>
+        <p:spPr>
+          <a:xfrm>
+            <a:off x="1665570" y="5603959"/>
+            <a:ext cx="3937762" cy="369332"/>
+          </a:xfrm>
+          <a:prstGeom prst="rect">
+            <a:avLst/>
+          </a:prstGeom>
+          <a:noFill/>
+        </p:spPr>
+        <p:txBody>
+          <a:bodyPr wrap="square" rtlCol="0">
+            <a:spAutoFit/>
+          </a:bodyPr>
+          <a:lstStyle/>
+          <a:p>
+            <a:r>
+              <a:rPr lang="pt-PT" dirty="0" err="1"/>
+              <a:t>Without</a:t>
+            </a:r>
+            <a:r>
+              <a:rPr lang="pt-PT" dirty="0"/>
+              <a:t> </a:t>
+            </a:r>
+            <a:r>
+              <a:rPr lang="pt-PT" dirty="0" err="1"/>
+              <a:t>weights</a:t>
+            </a:r>
+            <a:r>
+              <a:rPr lang="pt-PT" dirty="0"/>
+              <a:t> </a:t>
+            </a:r>
+          </a:p>
+        </p:txBody>
+      </p:sp>
+      <p:sp>
+        <p:nvSpPr>
+          <p:cNvPr id="7" name="CaixaDeTexto 6">
+            <a:extLst>
+              <a:ext uri="{FF2B5EF4-FFF2-40B4-BE49-F238E27FC236}">
+                <a16:creationId xmlns:a16="http://schemas.microsoft.com/office/drawing/2014/main" id="{E26B1B24-E23F-46FA-97C6-3F7D3261E542}"/>
+              </a:ext>
+            </a:extLst>
+          </p:cNvPr>
+          <p:cNvSpPr txBox="1"/>
+          <p:nvPr/>
+        </p:nvSpPr>
+        <p:spPr>
+          <a:xfrm>
+            <a:off x="7450620" y="5583816"/>
+            <a:ext cx="3075810" cy="369332"/>
+          </a:xfrm>
+          <a:prstGeom prst="rect">
+            <a:avLst/>
+          </a:prstGeom>
+          <a:noFill/>
+        </p:spPr>
+        <p:txBody>
+          <a:bodyPr wrap="square" rtlCol="0">
+            <a:spAutoFit/>
+          </a:bodyPr>
+          <a:lstStyle/>
+          <a:p>
+            <a:r>
+              <a:rPr lang="pt-PT" dirty="0"/>
+              <a:t>           </a:t>
+            </a:r>
+            <a:r>
+              <a:rPr lang="pt-PT" dirty="0" err="1"/>
+              <a:t>With</a:t>
+            </a:r>
+            <a:r>
+              <a:rPr lang="pt-PT" dirty="0"/>
+              <a:t> </a:t>
+            </a:r>
+            <a:r>
+              <a:rPr lang="pt-PT" dirty="0" err="1"/>
+              <a:t>weights</a:t>
+            </a:r>
+            <a:endParaRPr lang="pt-PT" dirty="0"/>
+          </a:p>
+        </p:txBody>
+      </p:sp>
+      <p:pic>
+        <p:nvPicPr>
+          <p:cNvPr id="3" name="Imagem 2">
+            <a:extLst>
+              <a:ext uri="{FF2B5EF4-FFF2-40B4-BE49-F238E27FC236}">
+                <a16:creationId xmlns:a16="http://schemas.microsoft.com/office/drawing/2014/main" id="{BF4645A6-D392-4B35-8303-70EE94253B1C}"/>
+              </a:ext>
+            </a:extLst>
+          </p:cNvPr>
+          <p:cNvPicPr>
+            <a:picLocks noChangeAspect="1"/>
+          </p:cNvPicPr>
+          <p:nvPr/>
+        </p:nvPicPr>
+        <p:blipFill>
+          <a:blip r:embed="rId2"/>
+          <a:stretch>
+            <a:fillRect/>
+          </a:stretch>
+        </p:blipFill>
+        <p:spPr>
+          <a:xfrm>
+            <a:off x="1027182" y="2587960"/>
+            <a:ext cx="3648584" cy="2734057"/>
+          </a:xfrm>
+          <a:prstGeom prst="rect">
+            <a:avLst/>
+          </a:prstGeom>
+        </p:spPr>
+      </p:pic>
+      <p:sp>
+        <p:nvSpPr>
+          <p:cNvPr id="5" name="Retângulo 4">
+            <a:extLst>
+              <a:ext uri="{FF2B5EF4-FFF2-40B4-BE49-F238E27FC236}">
+                <a16:creationId xmlns:a16="http://schemas.microsoft.com/office/drawing/2014/main" id="{DA650F58-C7A3-4812-BEC0-D5FD4275E1CA}"/>
+              </a:ext>
+            </a:extLst>
+          </p:cNvPr>
+          <p:cNvSpPr/>
+          <p:nvPr/>
+        </p:nvSpPr>
+        <p:spPr>
+          <a:xfrm>
+            <a:off x="1027182" y="1758680"/>
+            <a:ext cx="10502412" cy="646331"/>
+          </a:xfrm>
+          <a:prstGeom prst="rect">
+            <a:avLst/>
+          </a:prstGeom>
+        </p:spPr>
+        <p:txBody>
+          <a:bodyPr wrap="square">
+            <a:spAutoFit/>
+          </a:bodyPr>
+          <a:lstStyle/>
+          <a:p>
+            <a:r>
+              <a:rPr lang="en-US" dirty="0"/>
+              <a:t>Champions who must have a given tag (ex: Assassin) and have one of a set of words (ex: dash, jump, blink, teleport or mobility in one of their abilities).</a:t>
+            </a:r>
+          </a:p>
+        </p:txBody>
+      </p:sp>
+      <p:pic>
+        <p:nvPicPr>
+          <p:cNvPr id="10" name="Imagem 9">
+            <a:extLst>
+              <a:ext uri="{FF2B5EF4-FFF2-40B4-BE49-F238E27FC236}">
+                <a16:creationId xmlns:a16="http://schemas.microsoft.com/office/drawing/2014/main" id="{766FC498-E73F-4FAB-99EA-3429271C2B98}"/>
+              </a:ext>
+            </a:extLst>
+          </p:cNvPr>
+          <p:cNvPicPr>
+            <a:picLocks noChangeAspect="1"/>
+          </p:cNvPicPr>
+          <p:nvPr/>
+        </p:nvPicPr>
+        <p:blipFill>
+          <a:blip r:embed="rId3"/>
+          <a:stretch>
+            <a:fillRect/>
+          </a:stretch>
+        </p:blipFill>
+        <p:spPr>
+          <a:xfrm>
+            <a:off x="7132592" y="2522482"/>
+            <a:ext cx="3600953" cy="2734057"/>
+          </a:xfrm>
+          <a:prstGeom prst="rect">
+            <a:avLst/>
+          </a:prstGeom>
+        </p:spPr>
+      </p:pic>
+    </p:spTree>
+    <p:extLst>
+      <p:ext uri="{BB962C8B-B14F-4D97-AF65-F5344CB8AC3E}">
+        <p14:creationId xmlns:p14="http://schemas.microsoft.com/office/powerpoint/2010/main" val="1527878924"/>
+      </p:ext>
+    </p:extLst>
+  </p:cSld>
+  <p:clrMapOvr>
+    <a:masterClrMapping/>
+  </p:clrMapOvr>
+</p:sld>
+</file>
+
+<file path=ppt/slides/slide15.xml><?xml version="1.0" encoding="utf-8"?>
+<p:sld xmlns:a="http://schemas.openxmlformats.org/drawingml/2006/main" xmlns:r="http://schemas.openxmlformats.org/officeDocument/2006/relationships" xmlns:p="http://schemas.openxmlformats.org/presentationml/2006/main">
+  <p:cSld>
+    <p:spTree>
+      <p:nvGrpSpPr>
+        <p:cNvPr id="1" name=""/>
+        <p:cNvGrpSpPr/>
+        <p:nvPr/>
+      </p:nvGrpSpPr>
+      <p:grpSpPr>
+        <a:xfrm>
+          <a:off x="0" y="0"/>
+          <a:ext cx="0" cy="0"/>
+          <a:chOff x="0" y="0"/>
+          <a:chExt cx="0" cy="0"/>
+        </a:xfrm>
+      </p:grpSpPr>
+      <p:sp>
+        <p:nvSpPr>
+          <p:cNvPr id="2" name="Título 1">
+            <a:extLst>
+              <a:ext uri="{FF2B5EF4-FFF2-40B4-BE49-F238E27FC236}">
+                <a16:creationId xmlns:a16="http://schemas.microsoft.com/office/drawing/2014/main" id="{8E072988-9771-475A-9A21-F65F6F258954}"/>
+              </a:ext>
+            </a:extLst>
+          </p:cNvPr>
+          <p:cNvSpPr>
+            <a:spLocks noGrp="1"/>
+          </p:cNvSpPr>
+          <p:nvPr>
+            <p:ph type="title"/>
+          </p:nvPr>
+        </p:nvSpPr>
+        <p:spPr/>
+        <p:txBody>
+          <a:bodyPr/>
+          <a:lstStyle/>
+          <a:p>
+            <a:r>
+              <a:rPr lang="pt-PT" dirty="0" err="1"/>
+              <a:t>Evaluation</a:t>
+            </a:r>
+            <a:endParaRPr lang="pt-PT" dirty="0"/>
+          </a:p>
+        </p:txBody>
+      </p:sp>
+      <p:sp>
+        <p:nvSpPr>
+          <p:cNvPr id="6" name="CaixaDeTexto 5">
+            <a:extLst>
+              <a:ext uri="{FF2B5EF4-FFF2-40B4-BE49-F238E27FC236}">
+                <a16:creationId xmlns:a16="http://schemas.microsoft.com/office/drawing/2014/main" id="{853DE5BA-2D1F-443E-BC91-E569C8365390}"/>
+              </a:ext>
+            </a:extLst>
+          </p:cNvPr>
+          <p:cNvSpPr txBox="1"/>
+          <p:nvPr/>
+        </p:nvSpPr>
+        <p:spPr>
+          <a:xfrm>
+            <a:off x="1609859" y="4919730"/>
+            <a:ext cx="2331075" cy="369332"/>
+          </a:xfrm>
+          <a:prstGeom prst="rect">
+            <a:avLst/>
+          </a:prstGeom>
+          <a:noFill/>
+        </p:spPr>
+        <p:txBody>
+          <a:bodyPr wrap="square" rtlCol="0">
+            <a:spAutoFit/>
+          </a:bodyPr>
+          <a:lstStyle/>
+          <a:p>
+            <a:r>
+              <a:rPr lang="pt-PT" dirty="0" err="1"/>
+              <a:t>Without</a:t>
+            </a:r>
+            <a:r>
+              <a:rPr lang="pt-PT" dirty="0"/>
+              <a:t> </a:t>
+            </a:r>
+            <a:r>
+              <a:rPr lang="pt-PT" dirty="0" err="1"/>
+              <a:t>weights</a:t>
+            </a:r>
+            <a:r>
+              <a:rPr lang="pt-PT" dirty="0"/>
+              <a:t> </a:t>
+            </a:r>
+          </a:p>
+        </p:txBody>
+      </p:sp>
+      <p:sp>
+        <p:nvSpPr>
+          <p:cNvPr id="10" name="CaixaDeTexto 9">
+            <a:extLst>
+              <a:ext uri="{FF2B5EF4-FFF2-40B4-BE49-F238E27FC236}">
+                <a16:creationId xmlns:a16="http://schemas.microsoft.com/office/drawing/2014/main" id="{74B3D8A4-0A6F-48FD-96A1-B61BD6CDA672}"/>
+              </a:ext>
+            </a:extLst>
+          </p:cNvPr>
+          <p:cNvSpPr txBox="1"/>
+          <p:nvPr/>
+        </p:nvSpPr>
+        <p:spPr>
+          <a:xfrm>
+            <a:off x="8126357" y="4919730"/>
+            <a:ext cx="3168203" cy="369332"/>
+          </a:xfrm>
+          <a:prstGeom prst="rect">
+            <a:avLst/>
+          </a:prstGeom>
+          <a:noFill/>
+        </p:spPr>
+        <p:txBody>
+          <a:bodyPr wrap="square" rtlCol="0">
+            <a:spAutoFit/>
+          </a:bodyPr>
+          <a:lstStyle/>
+          <a:p>
+            <a:r>
+              <a:rPr lang="pt-PT" dirty="0" err="1"/>
+              <a:t>With</a:t>
+            </a:r>
+            <a:r>
+              <a:rPr lang="pt-PT" dirty="0"/>
+              <a:t> </a:t>
+            </a:r>
+            <a:r>
+              <a:rPr lang="pt-PT" dirty="0" err="1"/>
+              <a:t>weights</a:t>
+            </a:r>
+            <a:endParaRPr lang="pt-PT" dirty="0"/>
+          </a:p>
+        </p:txBody>
+      </p:sp>
+      <p:pic>
+        <p:nvPicPr>
+          <p:cNvPr id="4" name="Imagem 3">
+            <a:extLst>
+              <a:ext uri="{FF2B5EF4-FFF2-40B4-BE49-F238E27FC236}">
+                <a16:creationId xmlns:a16="http://schemas.microsoft.com/office/drawing/2014/main" id="{6D4D352A-90A8-4096-9F71-4F576451E5F7}"/>
+              </a:ext>
+            </a:extLst>
+          </p:cNvPr>
+          <p:cNvPicPr>
+            <a:picLocks noChangeAspect="1"/>
+          </p:cNvPicPr>
+          <p:nvPr/>
+        </p:nvPicPr>
+        <p:blipFill>
+          <a:blip r:embed="rId2"/>
+          <a:stretch>
+            <a:fillRect/>
+          </a:stretch>
+        </p:blipFill>
+        <p:spPr>
+          <a:xfrm>
+            <a:off x="616980" y="2624709"/>
+            <a:ext cx="4617124" cy="1672871"/>
+          </a:xfrm>
+          <a:prstGeom prst="rect">
+            <a:avLst/>
+          </a:prstGeom>
+        </p:spPr>
+      </p:pic>
+      <p:pic>
+        <p:nvPicPr>
+          <p:cNvPr id="5" name="Imagem 4">
+            <a:extLst>
+              <a:ext uri="{FF2B5EF4-FFF2-40B4-BE49-F238E27FC236}">
+                <a16:creationId xmlns:a16="http://schemas.microsoft.com/office/drawing/2014/main" id="{2CD2088D-8B82-4023-AA68-A78E24818944}"/>
+              </a:ext>
+            </a:extLst>
+          </p:cNvPr>
+          <p:cNvPicPr>
+            <a:picLocks noChangeAspect="1"/>
+          </p:cNvPicPr>
+          <p:nvPr/>
+        </p:nvPicPr>
+        <p:blipFill>
+          <a:blip r:embed="rId3"/>
+          <a:stretch>
+            <a:fillRect/>
+          </a:stretch>
+        </p:blipFill>
+        <p:spPr>
+          <a:xfrm>
+            <a:off x="6677436" y="2652006"/>
+            <a:ext cx="4617124" cy="1700169"/>
+          </a:xfrm>
+          <a:prstGeom prst="rect">
+            <a:avLst/>
+          </a:prstGeom>
+        </p:spPr>
+      </p:pic>
+    </p:spTree>
+    <p:extLst>
+      <p:ext uri="{BB962C8B-B14F-4D97-AF65-F5344CB8AC3E}">
+        <p14:creationId xmlns:p14="http://schemas.microsoft.com/office/powerpoint/2010/main" val="188391389"/>
+      </p:ext>
+    </p:extLst>
+  </p:cSld>
+  <p:clrMapOvr>
+    <a:masterClrMapping/>
+  </p:clrMapOvr>
+</p:sld>
+</file>
+
+<file path=ppt/slides/slide16.xml><?xml version="1.0" encoding="utf-8"?>
+<p:sld xmlns:a="http://schemas.openxmlformats.org/drawingml/2006/main" xmlns:r="http://schemas.openxmlformats.org/officeDocument/2006/relationships" xmlns:p="http://schemas.openxmlformats.org/presentationml/2006/main">
+  <p:cSld>
+    <p:spTree>
+      <p:nvGrpSpPr>
+        <p:cNvPr id="1" name=""/>
+        <p:cNvGrpSpPr/>
+        <p:nvPr/>
+      </p:nvGrpSpPr>
+      <p:grpSpPr>
+        <a:xfrm>
+          <a:off x="0" y="0"/>
+          <a:ext cx="0" cy="0"/>
+          <a:chOff x="0" y="0"/>
+          <a:chExt cx="0" cy="0"/>
+        </a:xfrm>
+      </p:grpSpPr>
+      <p:sp>
+        <p:nvSpPr>
+          <p:cNvPr id="2" name="Título 1">
+            <a:extLst>
+              <a:ext uri="{FF2B5EF4-FFF2-40B4-BE49-F238E27FC236}">
+                <a16:creationId xmlns:a16="http://schemas.microsoft.com/office/drawing/2014/main" id="{C13A881E-08FC-4D04-A46A-DE045ABA1487}"/>
+              </a:ext>
+            </a:extLst>
+          </p:cNvPr>
+          <p:cNvSpPr>
+            <a:spLocks noGrp="1"/>
+          </p:cNvSpPr>
+          <p:nvPr>
+            <p:ph type="title"/>
+          </p:nvPr>
+        </p:nvSpPr>
+        <p:spPr/>
+        <p:txBody>
+          <a:bodyPr/>
+          <a:lstStyle/>
+          <a:p>
+            <a:r>
+              <a:rPr lang="pt-PT" dirty="0"/>
+              <a:t>Future </a:t>
+            </a:r>
+            <a:r>
+              <a:rPr lang="pt-PT" dirty="0" err="1"/>
+              <a:t>Work</a:t>
+            </a:r>
+            <a:endParaRPr lang="pt-PT" dirty="0"/>
+          </a:p>
+        </p:txBody>
+      </p:sp>
+      <p:sp>
+        <p:nvSpPr>
+          <p:cNvPr id="3" name="Marcador de Posição de Conteúdo 2">
+            <a:extLst>
+              <a:ext uri="{FF2B5EF4-FFF2-40B4-BE49-F238E27FC236}">
+                <a16:creationId xmlns:a16="http://schemas.microsoft.com/office/drawing/2014/main" id="{34B3B10F-06F8-4423-80EF-3746779D15F3}"/>
+              </a:ext>
+            </a:extLst>
+          </p:cNvPr>
+          <p:cNvSpPr>
+            <a:spLocks noGrp="1"/>
+          </p:cNvSpPr>
+          <p:nvPr>
+            <p:ph idx="1"/>
+          </p:nvPr>
+        </p:nvSpPr>
+        <p:spPr/>
+        <p:txBody>
+          <a:bodyPr/>
+          <a:lstStyle/>
+          <a:p>
+            <a:r>
+              <a:rPr lang="pt-PT" dirty="0"/>
+              <a:t>Use </a:t>
+            </a:r>
+            <a:r>
+              <a:rPr lang="pt-PT" dirty="0" err="1"/>
+              <a:t>vocabulary</a:t>
+            </a:r>
+            <a:r>
+              <a:rPr lang="pt-PT" dirty="0"/>
+              <a:t> </a:t>
+            </a:r>
+            <a:r>
+              <a:rPr lang="pt-PT" dirty="0" err="1"/>
+              <a:t>based</a:t>
+            </a:r>
+            <a:r>
+              <a:rPr lang="pt-PT" dirty="0"/>
+              <a:t> </a:t>
+            </a:r>
+            <a:r>
+              <a:rPr lang="pt-PT" dirty="0" err="1"/>
+              <a:t>filter</a:t>
+            </a:r>
+            <a:endParaRPr lang="pt-PT" dirty="0"/>
+          </a:p>
+          <a:p>
+            <a:r>
+              <a:rPr lang="en-US" dirty="0"/>
+              <a:t>NLP (Neuro-linguistic programming) could be applied regarding the lore in order to extract and search more effectively for complex queries, this could be done by resorting to a </a:t>
+            </a:r>
+            <a:r>
+              <a:rPr lang="en-US" dirty="0" err="1"/>
+              <a:t>filterbased</a:t>
+            </a:r>
+            <a:r>
+              <a:rPr lang="en-US" dirty="0"/>
+              <a:t> on NER (Name Entity Recognition)</a:t>
+            </a:r>
+          </a:p>
+          <a:p>
+            <a:r>
+              <a:rPr lang="en-US" dirty="0"/>
+              <a:t>Improve queries by adding correct weights </a:t>
+            </a:r>
+            <a:endParaRPr lang="pt-PT" dirty="0"/>
+          </a:p>
+        </p:txBody>
+      </p:sp>
+    </p:spTree>
+    <p:extLst>
+      <p:ext uri="{BB962C8B-B14F-4D97-AF65-F5344CB8AC3E}">
+        <p14:creationId xmlns:p14="http://schemas.microsoft.com/office/powerpoint/2010/main" val="3749043592"/>
+      </p:ext>
+    </p:extLst>
+  </p:cSld>
+  <p:clrMapOvr>
+    <a:masterClrMapping/>
+  </p:clrMapOvr>
+</p:sld>
+</file>
+
 <file path=ppt/slides/slide2.xml><?xml version="1.0" encoding="utf-8"?>
 <p:sld xmlns:a="http://schemas.openxmlformats.org/drawingml/2006/main" xmlns:r="http://schemas.openxmlformats.org/officeDocument/2006/relationships" xmlns:p="http://schemas.openxmlformats.org/presentationml/2006/main">
   <p:cSld>
@@ -5069,18 +6661,108 @@
             <p:ph idx="1"/>
           </p:nvPr>
         </p:nvSpPr>
-        <p:spPr/>
-        <p:txBody>
-          <a:bodyPr/>
+        <p:spPr>
+          <a:xfrm>
+            <a:off x="1130270" y="1783842"/>
+            <a:ext cx="9603275" cy="913176"/>
+          </a:xfrm>
+        </p:spPr>
+        <p:txBody>
+          <a:bodyPr>
+            <a:normAutofit lnSpcReduction="10000"/>
+          </a:bodyPr>
           <a:lstStyle/>
           <a:p>
             <a:pPr marL="0" indent="0">
               <a:buNone/>
             </a:pPr>
+            <a:r>
+              <a:rPr lang="pt-PT" dirty="0"/>
+              <a:t>Champions </a:t>
+            </a:r>
+            <a:r>
+              <a:rPr lang="pt-PT" dirty="0" err="1"/>
+              <a:t>with</a:t>
+            </a:r>
+            <a:r>
+              <a:rPr lang="pt-PT" dirty="0"/>
+              <a:t> a </a:t>
+            </a:r>
+            <a:r>
+              <a:rPr lang="pt-PT" dirty="0" err="1"/>
+              <a:t>certain</a:t>
+            </a:r>
+            <a:r>
+              <a:rPr lang="pt-PT" dirty="0"/>
+              <a:t> </a:t>
+            </a:r>
+            <a:r>
+              <a:rPr lang="pt-PT" dirty="0" err="1"/>
+              <a:t>name</a:t>
+            </a:r>
             <a:endParaRPr lang="pt-PT" dirty="0"/>
           </a:p>
-        </p:txBody>
-      </p:sp>
+          <a:p>
+            <a:pPr marL="0" indent="0">
+              <a:buNone/>
+            </a:pPr>
+            <a:r>
+              <a:rPr lang="pt-PT" dirty="0" err="1"/>
+              <a:t>Query</a:t>
+            </a:r>
+            <a:r>
+              <a:rPr lang="pt-PT" dirty="0"/>
+              <a:t> – (</a:t>
+            </a:r>
+            <a:r>
+              <a:rPr lang="pt-PT" dirty="0" err="1"/>
+              <a:t>Name</a:t>
+            </a:r>
+            <a:r>
+              <a:rPr lang="pt-PT" dirty="0"/>
+              <a:t>: </a:t>
+            </a:r>
+            <a:r>
+              <a:rPr lang="pt-PT" dirty="0" err="1"/>
+              <a:t>eUréli’õn</a:t>
+            </a:r>
+            <a:r>
+              <a:rPr lang="pt-PT" dirty="0"/>
+              <a:t>)</a:t>
+            </a:r>
+          </a:p>
+        </p:txBody>
+      </p:sp>
+      <p:pic>
+        <p:nvPicPr>
+          <p:cNvPr id="3" name="Imagem 2">
+            <a:extLst>
+              <a:ext uri="{FF2B5EF4-FFF2-40B4-BE49-F238E27FC236}">
+                <a16:creationId xmlns:a16="http://schemas.microsoft.com/office/drawing/2014/main" id="{1F3F6E43-37EF-49BB-9006-B7F34B253CE9}"/>
+              </a:ext>
+            </a:extLst>
+          </p:cNvPr>
+          <p:cNvPicPr>
+            <a:picLocks noChangeAspect="1"/>
+          </p:cNvPicPr>
+          <p:nvPr/>
+        </p:nvPicPr>
+        <p:blipFill>
+          <a:blip r:embed="rId2"/>
+          <a:stretch>
+            <a:fillRect/>
+          </a:stretch>
+        </p:blipFill>
+        <p:spPr>
+          <a:xfrm>
+            <a:off x="0" y="2833077"/>
+            <a:ext cx="12192000" cy="3817034"/>
+          </a:xfrm>
+          <a:prstGeom prst="rect">
+            <a:avLst/>
+          </a:prstGeom>
+        </p:spPr>
+      </p:pic>
     </p:spTree>
     <p:extLst>
       <p:ext uri="{BB962C8B-B14F-4D97-AF65-F5344CB8AC3E}">
@@ -5116,7 +6798,7 @@
           <p:cNvPr id="2" name="Título 1">
             <a:extLst>
               <a:ext uri="{FF2B5EF4-FFF2-40B4-BE49-F238E27FC236}">
-                <a16:creationId xmlns:a16="http://schemas.microsoft.com/office/drawing/2014/main" id="{4ACAF220-7883-4D27-ADDD-C61BD78C5EAB}"/>
+                <a16:creationId xmlns:a16="http://schemas.microsoft.com/office/drawing/2014/main" id="{EB53A9F2-AAE1-466E-A606-E6D96E56636E}"/>
               </a:ext>
             </a:extLst>
           </p:cNvPr>
@@ -5136,7 +6818,19 @@
               <a:rPr lang="pt-PT" dirty="0" err="1">
                 <a:latin typeface="Euphemia" panose="020B0503040102020104" pitchFamily="34" charset="0"/>
               </a:rPr>
-              <a:t>Evaluation</a:t>
+              <a:t>Information</a:t>
+            </a:r>
+            <a:r>
+              <a:rPr lang="pt-PT" dirty="0">
+                <a:latin typeface="Euphemia" panose="020B0503040102020104" pitchFamily="34" charset="0"/>
+              </a:rPr>
+              <a:t> </a:t>
+            </a:r>
+            <a:r>
+              <a:rPr lang="pt-PT" dirty="0" err="1">
+                <a:latin typeface="Euphemia" panose="020B0503040102020104" pitchFamily="34" charset="0"/>
+              </a:rPr>
+              <a:t>Retrieval</a:t>
             </a:r>
             <a:endParaRPr lang="pt-PT" dirty="0"/>
           </a:p>
@@ -5147,7 +6841,7 @@
           <p:cNvPr id="4" name="Marcador de Posição de Conteúdo 3">
             <a:extLst>
               <a:ext uri="{FF2B5EF4-FFF2-40B4-BE49-F238E27FC236}">
-                <a16:creationId xmlns:a16="http://schemas.microsoft.com/office/drawing/2014/main" id="{6CBE794A-A954-47D3-BD1A-A0E5786AAADE}"/>
+                <a16:creationId xmlns:a16="http://schemas.microsoft.com/office/drawing/2014/main" id="{E00DF3CF-F188-49FE-8759-C3A1F73BB680}"/>
               </a:ext>
             </a:extLst>
           </p:cNvPr>
@@ -5158,19 +6852,138 @@
             <p:ph idx="1"/>
           </p:nvPr>
         </p:nvSpPr>
-        <p:spPr/>
-        <p:txBody>
-          <a:bodyPr/>
-          <a:lstStyle/>
-          <a:p>
+        <p:spPr>
+          <a:xfrm>
+            <a:off x="1130270" y="1783842"/>
+            <a:ext cx="9603275" cy="913176"/>
+          </a:xfrm>
+        </p:spPr>
+        <p:txBody>
+          <a:bodyPr>
+            <a:normAutofit fontScale="70000" lnSpcReduction="20000"/>
+          </a:bodyPr>
+          <a:lstStyle/>
+          <a:p>
+            <a:pPr marL="0" indent="0">
+              <a:buNone/>
+            </a:pPr>
+            <a:r>
+              <a:rPr lang="en-US" dirty="0"/>
+              <a:t>Champions with a certain tag (ex: Fighter) and whose lore has present at least one of 2 specific regions (ex: </a:t>
+            </a:r>
+            <a:r>
+              <a:rPr lang="en-US" dirty="0" err="1"/>
+              <a:t>Demacia</a:t>
+            </a:r>
+            <a:r>
+              <a:rPr lang="en-US" dirty="0"/>
+              <a:t> or Ionia)</a:t>
+            </a:r>
+          </a:p>
+          <a:p>
+            <a:pPr marL="0" indent="0">
+              <a:buNone/>
+            </a:pPr>
+            <a:r>
+              <a:rPr lang="pt-PT" dirty="0" err="1"/>
+              <a:t>Query</a:t>
+            </a:r>
+            <a:r>
+              <a:rPr lang="pt-PT" dirty="0"/>
+              <a:t> – </a:t>
+            </a:r>
+            <a:r>
+              <a:rPr lang="pt-PT" dirty="0" err="1"/>
+              <a:t>Fighter</a:t>
+            </a:r>
+            <a:r>
+              <a:rPr lang="pt-PT" dirty="0"/>
+              <a:t> &amp;&amp; </a:t>
+            </a:r>
+            <a:r>
+              <a:rPr lang="pt-PT" dirty="0" err="1"/>
+              <a:t>lore</a:t>
+            </a:r>
+            <a:r>
+              <a:rPr lang="pt-PT" dirty="0"/>
+              <a:t>:(</a:t>
+            </a:r>
+            <a:r>
+              <a:rPr lang="pt-PT" dirty="0" err="1"/>
+              <a:t>Demacia</a:t>
+            </a:r>
+            <a:r>
+              <a:rPr lang="pt-PT" dirty="0"/>
+              <a:t> || </a:t>
+            </a:r>
+            <a:r>
+              <a:rPr lang="pt-PT" dirty="0" err="1"/>
+              <a:t>Ionia</a:t>
+            </a:r>
+            <a:r>
+              <a:rPr lang="pt-PT" dirty="0"/>
+              <a:t>)</a:t>
+            </a:r>
+          </a:p>
+          <a:p>
+            <a:pPr marL="0" indent="0">
+              <a:buNone/>
+            </a:pPr>
             <a:endParaRPr lang="pt-PT" dirty="0"/>
           </a:p>
         </p:txBody>
       </p:sp>
+      <p:pic>
+        <p:nvPicPr>
+          <p:cNvPr id="1026" name="Picture 2">
+            <a:extLst>
+              <a:ext uri="{FF2B5EF4-FFF2-40B4-BE49-F238E27FC236}">
+                <a16:creationId xmlns:a16="http://schemas.microsoft.com/office/drawing/2014/main" id="{86EB609F-AD22-40FD-9459-3E983BB6D985}"/>
+              </a:ext>
+            </a:extLst>
+          </p:cNvPr>
+          <p:cNvPicPr>
+            <a:picLocks noChangeAspect="1" noChangeArrowheads="1"/>
+          </p:cNvPicPr>
+          <p:nvPr/>
+        </p:nvPicPr>
+        <p:blipFill>
+          <a:blip r:embed="rId2">
+            <a:extLst>
+              <a:ext uri="{28A0092B-C50C-407E-A947-70E740481C1C}">
+                <a14:useLocalDpi xmlns:a14="http://schemas.microsoft.com/office/drawing/2010/main" val="0"/>
+              </a:ext>
+            </a:extLst>
+          </a:blip>
+          <a:srcRect/>
+          <a:stretch>
+            <a:fillRect/>
+          </a:stretch>
+        </p:blipFill>
+        <p:spPr bwMode="auto">
+          <a:xfrm>
+            <a:off x="0" y="2697018"/>
+            <a:ext cx="12192000" cy="3990975"/>
+          </a:xfrm>
+          <a:prstGeom prst="rect">
+            <a:avLst/>
+          </a:prstGeom>
+          <a:noFill/>
+          <a:extLst>
+            <a:ext uri="{909E8E84-426E-40DD-AFC4-6F175D3DCCD1}">
+              <a14:hiddenFill xmlns:a14="http://schemas.microsoft.com/office/drawing/2010/main">
+                <a:solidFill>
+                  <a:srgbClr val="FFFFFF"/>
+                </a:solidFill>
+              </a14:hiddenFill>
+            </a:ext>
+          </a:extLst>
+        </p:spPr>
+      </p:pic>
     </p:spTree>
     <p:extLst>
       <p:ext uri="{BB962C8B-B14F-4D97-AF65-F5344CB8AC3E}">
-        <p14:creationId xmlns:p14="http://schemas.microsoft.com/office/powerpoint/2010/main" val="1847632989"/>
+        <p14:creationId xmlns:p14="http://schemas.microsoft.com/office/powerpoint/2010/main" val="4219634242"/>
       </p:ext>
     </p:extLst>
   </p:cSld>
@@ -5202,7 +7015,7 @@
           <p:cNvPr id="2" name="Título 1">
             <a:extLst>
               <a:ext uri="{FF2B5EF4-FFF2-40B4-BE49-F238E27FC236}">
-                <a16:creationId xmlns:a16="http://schemas.microsoft.com/office/drawing/2014/main" id="{C13A881E-08FC-4D04-A46A-DE045ABA1487}"/>
+                <a16:creationId xmlns:a16="http://schemas.microsoft.com/office/drawing/2014/main" id="{EB53A9F2-AAE1-466E-A606-E6D96E56636E}"/>
               </a:ext>
             </a:extLst>
           </p:cNvPr>
@@ -5219,12 +7032,22 @@
           <a:lstStyle/>
           <a:p>
             <a:r>
-              <a:rPr lang="pt-PT" dirty="0"/>
-              <a:t>Future </a:t>
-            </a:r>
-            <a:r>
-              <a:rPr lang="pt-PT" dirty="0" err="1"/>
-              <a:t>Work</a:t>
+              <a:rPr lang="pt-PT" dirty="0" err="1">
+                <a:latin typeface="Euphemia" panose="020B0503040102020104" pitchFamily="34" charset="0"/>
+              </a:rPr>
+              <a:t>Information</a:t>
+            </a:r>
+            <a:r>
+              <a:rPr lang="pt-PT" dirty="0">
+                <a:latin typeface="Euphemia" panose="020B0503040102020104" pitchFamily="34" charset="0"/>
+              </a:rPr>
+              <a:t> </a:t>
+            </a:r>
+            <a:r>
+              <a:rPr lang="pt-PT" dirty="0" err="1">
+                <a:latin typeface="Euphemia" panose="020B0503040102020104" pitchFamily="34" charset="0"/>
+              </a:rPr>
+              <a:t>Retrieval</a:t>
             </a:r>
             <a:endParaRPr lang="pt-PT" dirty="0"/>
           </a:p>
@@ -5232,10 +7055,10 @@
       </p:sp>
       <p:sp>
         <p:nvSpPr>
-          <p:cNvPr id="3" name="Marcador de Posição de Conteúdo 2">
+          <p:cNvPr id="4" name="Marcador de Posição de Conteúdo 3">
             <a:extLst>
               <a:ext uri="{FF2B5EF4-FFF2-40B4-BE49-F238E27FC236}">
-                <a16:creationId xmlns:a16="http://schemas.microsoft.com/office/drawing/2014/main" id="{34B3B10F-06F8-4423-80EF-3746779D15F3}"/>
+                <a16:creationId xmlns:a16="http://schemas.microsoft.com/office/drawing/2014/main" id="{E00DF3CF-F188-49FE-8759-C3A1F73BB680}"/>
               </a:ext>
             </a:extLst>
           </p:cNvPr>
@@ -5246,19 +7069,252 @@
             <p:ph idx="1"/>
           </p:nvPr>
         </p:nvSpPr>
-        <p:spPr/>
-        <p:txBody>
-          <a:bodyPr/>
-          <a:lstStyle/>
-          <a:p>
-            <a:endParaRPr lang="pt-PT" dirty="0"/>
-          </a:p>
-        </p:txBody>
-      </p:sp>
+        <p:spPr>
+          <a:xfrm>
+            <a:off x="1130270" y="1783842"/>
+            <a:ext cx="9603275" cy="913176"/>
+          </a:xfrm>
+        </p:spPr>
+        <p:txBody>
+          <a:bodyPr>
+            <a:normAutofit fontScale="85000" lnSpcReduction="10000"/>
+          </a:bodyPr>
+          <a:lstStyle/>
+          <a:p>
+            <a:pPr marL="0" indent="0">
+              <a:buNone/>
+            </a:pPr>
+            <a:r>
+              <a:rPr lang="en-US" dirty="0"/>
+              <a:t>Champions which have a phrase or expression or something related to it in their lore</a:t>
+            </a:r>
+          </a:p>
+          <a:p>
+            <a:pPr marL="0" indent="0">
+              <a:buNone/>
+            </a:pPr>
+            <a:r>
+              <a:rPr lang="en-US" dirty="0"/>
+              <a:t> </a:t>
+            </a:r>
+            <a:r>
+              <a:rPr lang="pt-PT" dirty="0" err="1"/>
+              <a:t>Query</a:t>
+            </a:r>
+            <a:r>
+              <a:rPr lang="pt-PT" dirty="0"/>
+              <a:t> – (</a:t>
+            </a:r>
+            <a:r>
+              <a:rPr lang="pt-PT" dirty="0" err="1"/>
+              <a:t>lore</a:t>
+            </a:r>
+            <a:r>
+              <a:rPr lang="pt-PT" dirty="0"/>
+              <a:t>: “</a:t>
+            </a:r>
+            <a:r>
+              <a:rPr lang="pt-PT" dirty="0" err="1"/>
+              <a:t>City</a:t>
+            </a:r>
+            <a:r>
+              <a:rPr lang="pt-PT" dirty="0"/>
+              <a:t> </a:t>
+            </a:r>
+            <a:r>
+              <a:rPr lang="pt-PT" dirty="0" err="1"/>
+              <a:t>of</a:t>
+            </a:r>
+            <a:r>
+              <a:rPr lang="pt-PT" dirty="0"/>
+              <a:t> </a:t>
+            </a:r>
+            <a:r>
+              <a:rPr lang="pt-PT" dirty="0" err="1"/>
+              <a:t>Progress</a:t>
+            </a:r>
+            <a:r>
+              <a:rPr lang="pt-PT" dirty="0"/>
+              <a:t>")</a:t>
+            </a:r>
+          </a:p>
+        </p:txBody>
+      </p:sp>
+      <p:pic>
+        <p:nvPicPr>
+          <p:cNvPr id="5" name="Imagem 4">
+            <a:extLst>
+              <a:ext uri="{FF2B5EF4-FFF2-40B4-BE49-F238E27FC236}">
+                <a16:creationId xmlns:a16="http://schemas.microsoft.com/office/drawing/2014/main" id="{77AFE557-4D4F-4FB9-A840-68A831FDF088}"/>
+              </a:ext>
+            </a:extLst>
+          </p:cNvPr>
+          <p:cNvPicPr>
+            <a:picLocks noChangeAspect="1"/>
+          </p:cNvPicPr>
+          <p:nvPr/>
+        </p:nvPicPr>
+        <p:blipFill>
+          <a:blip r:embed="rId2"/>
+          <a:stretch>
+            <a:fillRect/>
+          </a:stretch>
+        </p:blipFill>
+        <p:spPr>
+          <a:xfrm>
+            <a:off x="0" y="2936154"/>
+            <a:ext cx="12191999" cy="3838575"/>
+          </a:xfrm>
+          <a:prstGeom prst="rect">
+            <a:avLst/>
+          </a:prstGeom>
+        </p:spPr>
+      </p:pic>
     </p:spTree>
     <p:extLst>
       <p:ext uri="{BB962C8B-B14F-4D97-AF65-F5344CB8AC3E}">
-        <p14:creationId xmlns:p14="http://schemas.microsoft.com/office/powerpoint/2010/main" val="3749043592"/>
+        <p14:creationId xmlns:p14="http://schemas.microsoft.com/office/powerpoint/2010/main" val="2973271536"/>
+      </p:ext>
+    </p:extLst>
+  </p:cSld>
+  <p:clrMapOvr>
+    <a:masterClrMapping/>
+  </p:clrMapOvr>
+</p:sld>
+</file>
+
+<file path=ppt/slides/slide9.xml><?xml version="1.0" encoding="utf-8"?>
+<p:sld xmlns:a="http://schemas.openxmlformats.org/drawingml/2006/main" xmlns:r="http://schemas.openxmlformats.org/officeDocument/2006/relationships" xmlns:p="http://schemas.openxmlformats.org/presentationml/2006/main">
+  <p:cSld>
+    <p:spTree>
+      <p:nvGrpSpPr>
+        <p:cNvPr id="1" name=""/>
+        <p:cNvGrpSpPr/>
+        <p:nvPr/>
+      </p:nvGrpSpPr>
+      <p:grpSpPr>
+        <a:xfrm>
+          <a:off x="0" y="0"/>
+          <a:ext cx="0" cy="0"/>
+          <a:chOff x="0" y="0"/>
+          <a:chExt cx="0" cy="0"/>
+        </a:xfrm>
+      </p:grpSpPr>
+      <p:sp>
+        <p:nvSpPr>
+          <p:cNvPr id="2" name="Título 1">
+            <a:extLst>
+              <a:ext uri="{FF2B5EF4-FFF2-40B4-BE49-F238E27FC236}">
+                <a16:creationId xmlns:a16="http://schemas.microsoft.com/office/drawing/2014/main" id="{EB53A9F2-AAE1-466E-A606-E6D96E56636E}"/>
+              </a:ext>
+            </a:extLst>
+          </p:cNvPr>
+          <p:cNvSpPr>
+            <a:spLocks noGrp="1"/>
+          </p:cNvSpPr>
+          <p:nvPr>
+            <p:ph type="title"/>
+          </p:nvPr>
+        </p:nvSpPr>
+        <p:spPr/>
+        <p:txBody>
+          <a:bodyPr/>
+          <a:lstStyle/>
+          <a:p>
+            <a:r>
+              <a:rPr lang="pt-PT" dirty="0" err="1">
+                <a:latin typeface="Euphemia" panose="020B0503040102020104" pitchFamily="34" charset="0"/>
+              </a:rPr>
+              <a:t>Information</a:t>
+            </a:r>
+            <a:r>
+              <a:rPr lang="pt-PT" dirty="0">
+                <a:latin typeface="Euphemia" panose="020B0503040102020104" pitchFamily="34" charset="0"/>
+              </a:rPr>
+              <a:t> </a:t>
+            </a:r>
+            <a:r>
+              <a:rPr lang="pt-PT" dirty="0" err="1">
+                <a:latin typeface="Euphemia" panose="020B0503040102020104" pitchFamily="34" charset="0"/>
+              </a:rPr>
+              <a:t>Retrieval</a:t>
+            </a:r>
+            <a:endParaRPr lang="pt-PT" dirty="0"/>
+          </a:p>
+        </p:txBody>
+      </p:sp>
+      <p:sp>
+        <p:nvSpPr>
+          <p:cNvPr id="4" name="Marcador de Posição de Conteúdo 3">
+            <a:extLst>
+              <a:ext uri="{FF2B5EF4-FFF2-40B4-BE49-F238E27FC236}">
+                <a16:creationId xmlns:a16="http://schemas.microsoft.com/office/drawing/2014/main" id="{E00DF3CF-F188-49FE-8759-C3A1F73BB680}"/>
+              </a:ext>
+            </a:extLst>
+          </p:cNvPr>
+          <p:cNvSpPr>
+            <a:spLocks noGrp="1"/>
+          </p:cNvSpPr>
+          <p:nvPr>
+            <p:ph idx="1"/>
+          </p:nvPr>
+        </p:nvSpPr>
+        <p:spPr>
+          <a:xfrm>
+            <a:off x="1130270" y="1783842"/>
+            <a:ext cx="9603275" cy="913176"/>
+          </a:xfrm>
+        </p:spPr>
+        <p:txBody>
+          <a:bodyPr>
+            <a:normAutofit/>
+          </a:bodyPr>
+          <a:lstStyle/>
+          <a:p>
+            <a:pPr marL="0" indent="0">
+              <a:buNone/>
+            </a:pPr>
+            <a:r>
+              <a:rPr lang="en-US" dirty="0"/>
+              <a:t>Champions who must have a given tag (ex: Assassin) and have one of a set of words (ex: dash, jump, blink, teleport or mobility in one of their abilities).</a:t>
+            </a:r>
+          </a:p>
+        </p:txBody>
+      </p:sp>
+      <p:pic>
+        <p:nvPicPr>
+          <p:cNvPr id="3" name="Imagem 2">
+            <a:extLst>
+              <a:ext uri="{FF2B5EF4-FFF2-40B4-BE49-F238E27FC236}">
+                <a16:creationId xmlns:a16="http://schemas.microsoft.com/office/drawing/2014/main" id="{85A9D7B9-D8D4-4881-A810-D67605B87933}"/>
+              </a:ext>
+            </a:extLst>
+          </p:cNvPr>
+          <p:cNvPicPr>
+            <a:picLocks noChangeAspect="1"/>
+          </p:cNvPicPr>
+          <p:nvPr/>
+        </p:nvPicPr>
+        <p:blipFill>
+          <a:blip r:embed="rId2"/>
+          <a:stretch>
+            <a:fillRect/>
+          </a:stretch>
+        </p:blipFill>
+        <p:spPr>
+          <a:xfrm>
+            <a:off x="7356" y="2926080"/>
+            <a:ext cx="12184643" cy="3939137"/>
+          </a:xfrm>
+          <a:prstGeom prst="rect">
+            <a:avLst/>
+          </a:prstGeom>
+        </p:spPr>
+      </p:pic>
+    </p:spTree>
+    <p:extLst>
+      <p:ext uri="{BB962C8B-B14F-4D97-AF65-F5344CB8AC3E}">
+        <p14:creationId xmlns:p14="http://schemas.microsoft.com/office/powerpoint/2010/main" val="2767513202"/>
       </p:ext>
     </p:extLst>
   </p:cSld>
